--- a/MI Processors Project.pptx
+++ b/MI Processors Project.pptx
@@ -11898,7 +11898,7 @@
             <a:tbl>
               <a:tblPr>
                 <a:noFill/>
-                <a:tableStyleId>{D4317DFB-D3FE-4BDE-B41F-1451198AC936}</a:tableStyleId>
+                <a:tableStyleId>{B34A2E0D-184C-4378-9DA5-4EDFE6FE1F66}</a:tableStyleId>
               </a:tblPr>
               <a:tblGrid>
                 <a:gridCol w="904875"/>
@@ -16616,7 +16616,7 @@
             <a:tbl>
               <a:tblPr>
                 <a:noFill/>
-                <a:tableStyleId>{D4317DFB-D3FE-4BDE-B41F-1451198AC936}</a:tableStyleId>
+                <a:tableStyleId>{B34A2E0D-184C-4378-9DA5-4EDFE6FE1F66}</a:tableStyleId>
               </a:tblPr>
               <a:tblGrid>
                 <a:gridCol w="1420100"/>
@@ -20941,7 +20941,7 @@
             <a:tbl>
               <a:tblPr>
                 <a:noFill/>
-                <a:tableStyleId>{D4317DFB-D3FE-4BDE-B41F-1451198AC936}</a:tableStyleId>
+                <a:tableStyleId>{B34A2E0D-184C-4378-9DA5-4EDFE6FE1F66}</a:tableStyleId>
               </a:tblPr>
               <a:tblGrid>
                 <a:gridCol w="1310375"/>
@@ -23291,7 +23291,7 @@
                 <a:cs typeface="Oswald SemiBold"/>
                 <a:sym typeface="Oswald SemiBold"/>
               </a:rPr>
-              <a:t>REP:MVI C,08</a:t>
+              <a:t>MVI C,08</a:t>
             </a:r>
             <a:endParaRPr sz="1500">
               <a:latin typeface="Oswald SemiBold"/>
@@ -23315,6 +23315,15 @@
               <a:buFont typeface="Arial"/>
               <a:buNone/>
             </a:pPr>
+            <a:r>
+              <a:rPr lang="en" sz="1500">
+                <a:latin typeface="Oswald SemiBold"/>
+                <a:ea typeface="Oswald SemiBold"/>
+                <a:cs typeface="Oswald SemiBold"/>
+                <a:sym typeface="Oswald SemiBold"/>
+              </a:rPr>
+              <a:t>REP:</a:t>
+            </a:r>
             <a:r>
               <a:rPr lang="en" sz="1500">
                 <a:latin typeface="Oswald SemiBold"/>
@@ -24407,6 +24416,46 @@
                 <a:cs typeface="Oswald SemiBold"/>
                 <a:sym typeface="Oswald SemiBold"/>
               </a:rPr>
+              <a:t>INX H</a:t>
+            </a:r>
+            <a:endParaRPr sz="1500">
+              <a:solidFill>
+                <a:schemeClr val="dk2"/>
+              </a:solidFill>
+              <a:latin typeface="Oswald SemiBold"/>
+              <a:ea typeface="Oswald SemiBold"/>
+              <a:cs typeface="Oswald SemiBold"/>
+              <a:sym typeface="Oswald SemiBold"/>
+            </a:endParaRPr>
+          </a:p>
+          <a:p>
+            <a:pPr indent="0" lvl="0" marL="0" rtl="0" algn="l">
+              <a:lnSpc>
+                <a:spcPct val="115000"/>
+              </a:lnSpc>
+              <a:spcBef>
+                <a:spcPts val="1200"/>
+              </a:spcBef>
+              <a:spcAft>
+                <a:spcPts val="0"/>
+              </a:spcAft>
+              <a:buClr>
+                <a:schemeClr val="dk2"/>
+              </a:buClr>
+              <a:buSzPts val="1100"/>
+              <a:buFont typeface="Arial"/>
+              <a:buNone/>
+            </a:pPr>
+            <a:r>
+              <a:rPr lang="en" sz="1500">
+                <a:solidFill>
+                  <a:schemeClr val="dk2"/>
+                </a:solidFill>
+                <a:latin typeface="Oswald SemiBold"/>
+                <a:ea typeface="Oswald SemiBold"/>
+                <a:cs typeface="Oswald SemiBold"/>
+                <a:sym typeface="Oswald SemiBold"/>
+              </a:rPr>
               <a:t>XCHG</a:t>
             </a:r>
             <a:endParaRPr sz="1500">
@@ -24518,6 +24567,114 @@
               <a:buNone/>
             </a:pPr>
             <a:r>
+              <a:t/>
+            </a:r>
+            <a:endParaRPr sz="1500">
+              <a:solidFill>
+                <a:schemeClr val="dk2"/>
+              </a:solidFill>
+              <a:latin typeface="Oswald SemiBold"/>
+              <a:ea typeface="Oswald SemiBold"/>
+              <a:cs typeface="Oswald SemiBold"/>
+              <a:sym typeface="Oswald SemiBold"/>
+            </a:endParaRPr>
+          </a:p>
+          <a:p>
+            <a:pPr indent="0" lvl="0" marL="0" rtl="0" algn="l">
+              <a:lnSpc>
+                <a:spcPct val="115000"/>
+              </a:lnSpc>
+              <a:spcBef>
+                <a:spcPts val="1200"/>
+              </a:spcBef>
+              <a:spcAft>
+                <a:spcPts val="0"/>
+              </a:spcAft>
+              <a:buClr>
+                <a:schemeClr val="dk2"/>
+              </a:buClr>
+              <a:buSzPts val="1100"/>
+              <a:buFont typeface="Arial"/>
+              <a:buNone/>
+            </a:pPr>
+            <a:r>
+              <a:t/>
+            </a:r>
+            <a:endParaRPr sz="1500">
+              <a:solidFill>
+                <a:schemeClr val="dk2"/>
+              </a:solidFill>
+              <a:latin typeface="Oswald SemiBold"/>
+              <a:ea typeface="Oswald SemiBold"/>
+              <a:cs typeface="Oswald SemiBold"/>
+              <a:sym typeface="Oswald SemiBold"/>
+            </a:endParaRPr>
+          </a:p>
+          <a:p>
+            <a:pPr indent="0" lvl="0" marL="0" rtl="0" algn="l">
+              <a:spcBef>
+                <a:spcPts val="1200"/>
+              </a:spcBef>
+              <a:spcAft>
+                <a:spcPts val="0"/>
+              </a:spcAft>
+              <a:buNone/>
+            </a:pPr>
+            <a:r>
+              <a:t/>
+            </a:r>
+            <a:endParaRPr sz="1500">
+              <a:latin typeface="Oswald SemiBold"/>
+              <a:ea typeface="Oswald SemiBold"/>
+              <a:cs typeface="Oswald SemiBold"/>
+              <a:sym typeface="Oswald SemiBold"/>
+            </a:endParaRPr>
+          </a:p>
+        </p:txBody>
+      </p:sp>
+      <p:sp>
+        <p:nvSpPr>
+          <p:cNvPr id="318" name="Google Shape;318;p59"/>
+          <p:cNvSpPr txBox="1"/>
+          <p:nvPr/>
+        </p:nvSpPr>
+        <p:spPr>
+          <a:xfrm>
+            <a:off x="6590575" y="971850"/>
+            <a:ext cx="1983900" cy="3351600"/>
+          </a:xfrm>
+          <a:prstGeom prst="rect">
+            <a:avLst/>
+          </a:prstGeom>
+          <a:noFill/>
+          <a:ln>
+            <a:noFill/>
+          </a:ln>
+        </p:spPr>
+        <p:txBody>
+          <a:bodyPr anchorCtr="0" anchor="t" bIns="91425" lIns="91425" spcFirstLastPara="1" rIns="91425" wrap="square" tIns="91425">
+            <a:spAutoFit/>
+          </a:bodyPr>
+          <a:lstStyle/>
+          <a:p>
+            <a:pPr indent="0" lvl="0" marL="0" rtl="0" algn="l">
+              <a:lnSpc>
+                <a:spcPct val="115000"/>
+              </a:lnSpc>
+              <a:spcBef>
+                <a:spcPts val="0"/>
+              </a:spcBef>
+              <a:spcAft>
+                <a:spcPts val="0"/>
+              </a:spcAft>
+              <a:buClr>
+                <a:schemeClr val="dk2"/>
+              </a:buClr>
+              <a:buSzPts val="1100"/>
+              <a:buFont typeface="Arial"/>
+              <a:buNone/>
+            </a:pPr>
+            <a:r>
               <a:rPr lang="en" sz="1500">
                 <a:solidFill>
                   <a:schemeClr val="dk2"/>
@@ -24586,83 +24743,6 @@
               </a:lnSpc>
               <a:spcBef>
                 <a:spcPts val="1200"/>
-              </a:spcBef>
-              <a:spcAft>
-                <a:spcPts val="0"/>
-              </a:spcAft>
-              <a:buClr>
-                <a:schemeClr val="dk2"/>
-              </a:buClr>
-              <a:buSzPts val="1100"/>
-              <a:buFont typeface="Arial"/>
-              <a:buNone/>
-            </a:pPr>
-            <a:r>
-              <a:t/>
-            </a:r>
-            <a:endParaRPr sz="1500">
-              <a:solidFill>
-                <a:schemeClr val="dk2"/>
-              </a:solidFill>
-              <a:latin typeface="Oswald SemiBold"/>
-              <a:ea typeface="Oswald SemiBold"/>
-              <a:cs typeface="Oswald SemiBold"/>
-              <a:sym typeface="Oswald SemiBold"/>
-            </a:endParaRPr>
-          </a:p>
-          <a:p>
-            <a:pPr indent="0" lvl="0" marL="0" rtl="0" algn="l">
-              <a:spcBef>
-                <a:spcPts val="1200"/>
-              </a:spcBef>
-              <a:spcAft>
-                <a:spcPts val="0"/>
-              </a:spcAft>
-              <a:buNone/>
-            </a:pPr>
-            <a:r>
-              <a:t/>
-            </a:r>
-            <a:endParaRPr sz="1500">
-              <a:latin typeface="Oswald SemiBold"/>
-              <a:ea typeface="Oswald SemiBold"/>
-              <a:cs typeface="Oswald SemiBold"/>
-              <a:sym typeface="Oswald SemiBold"/>
-            </a:endParaRPr>
-          </a:p>
-        </p:txBody>
-      </p:sp>
-      <p:sp>
-        <p:nvSpPr>
-          <p:cNvPr id="318" name="Google Shape;318;p59"/>
-          <p:cNvSpPr txBox="1"/>
-          <p:nvPr/>
-        </p:nvSpPr>
-        <p:spPr>
-          <a:xfrm>
-            <a:off x="6590575" y="971850"/>
-            <a:ext cx="1983900" cy="2512800"/>
-          </a:xfrm>
-          <a:prstGeom prst="rect">
-            <a:avLst/>
-          </a:prstGeom>
-          <a:noFill/>
-          <a:ln>
-            <a:noFill/>
-          </a:ln>
-        </p:spPr>
-        <p:txBody>
-          <a:bodyPr anchorCtr="0" anchor="t" bIns="91425" lIns="91425" spcFirstLastPara="1" rIns="91425" wrap="square" tIns="91425">
-            <a:spAutoFit/>
-          </a:bodyPr>
-          <a:lstStyle/>
-          <a:p>
-            <a:pPr indent="0" lvl="0" marL="0" rtl="0" algn="l">
-              <a:lnSpc>
-                <a:spcPct val="115000"/>
-              </a:lnSpc>
-              <a:spcBef>
-                <a:spcPts val="0"/>
               </a:spcBef>
               <a:spcAft>
                 <a:spcPts val="0"/>
@@ -26333,7 +26413,7 @@
             <a:tbl>
               <a:tblPr>
                 <a:noFill/>
-                <a:tableStyleId>{2B9B084C-86C2-4712-ADB1-A3A9802944C7}</a:tableStyleId>
+                <a:tableStyleId>{D772F688-B54F-4A92-B483-969AF3F0B6B8}</a:tableStyleId>
               </a:tblPr>
               <a:tblGrid>
                 <a:gridCol w="1297075"/>
